--- a/Defensa IA.pptx
+++ b/Defensa IA.pptx
@@ -114,7 +114,64 @@
       </a:defRPr>
     </a:lvl9pPr>
   </p:defaultTextStyle>
+  <p:extLst>
+    <p:ext uri="{EFAFB233-063F-42B5-8137-9DF3F51BA10A}">
+      <p15:sldGuideLst xmlns:p15="http://schemas.microsoft.com/office/powerpoint/2012/main"/>
+    </p:ext>
+  </p:extLst>
 </p:presentation>
+</file>
+
+<file path=ppt/revisionInfo.xml><?xml version="1.0" encoding="utf-8"?>
+<p1510:revInfo xmlns:a="http://schemas.openxmlformats.org/drawingml/2006/main" xmlns:r="http://schemas.openxmlformats.org/officeDocument/2006/relationships" xmlns:p1510="http://schemas.microsoft.com/office/powerpoint/2015/10/main">
+  <p1510:revLst>
+    <p1510:client id="{F9224340-C13A-4F88-A6CE-2A23DB5E424C}" v="1" dt="2025-06-05T14:30:25.823"/>
+  </p1510:revLst>
+</p1510:revInfo>
+</file>
+
+<file path=ppt/changesInfos/changesInfo1.xml><?xml version="1.0" encoding="utf-8"?>
+<pc:chgInfo xmlns:a="http://schemas.openxmlformats.org/drawingml/2006/main" xmlns:r="http://schemas.openxmlformats.org/officeDocument/2006/relationships" xmlns:ac="http://schemas.microsoft.com/office/drawing/2013/main/command" xmlns:pc="http://schemas.microsoft.com/office/powerpoint/2013/main/command">
+  <pc:docChgLst>
+    <pc:chgData name="Joaquín Borja León" userId="4b458f5458d5142a" providerId="LiveId" clId="{F9224340-C13A-4F88-A6CE-2A23DB5E424C}"/>
+    <pc:docChg chg="undo redo custSel modSld">
+      <pc:chgData name="Joaquín Borja León" userId="4b458f5458d5142a" providerId="LiveId" clId="{F9224340-C13A-4F88-A6CE-2A23DB5E424C}" dt="2025-06-05T14:32:28.448" v="45" actId="313"/>
+      <pc:docMkLst>
+        <pc:docMk/>
+      </pc:docMkLst>
+      <pc:sldChg chg="modSp modNotesTx">
+        <pc:chgData name="Joaquín Borja León" userId="4b458f5458d5142a" providerId="LiveId" clId="{F9224340-C13A-4F88-A6CE-2A23DB5E424C}" dt="2025-06-05T14:30:56.775" v="37" actId="20577"/>
+        <pc:sldMkLst>
+          <pc:docMk/>
+          <pc:sldMk cId="3036600810" sldId="262"/>
+        </pc:sldMkLst>
+        <pc:spChg chg="mod">
+          <ac:chgData name="Joaquín Borja León" userId="4b458f5458d5142a" providerId="LiveId" clId="{F9224340-C13A-4F88-A6CE-2A23DB5E424C}" dt="2025-06-05T14:30:25.822" v="0"/>
+          <ac:spMkLst>
+            <pc:docMk/>
+            <pc:sldMk cId="3036600810" sldId="262"/>
+            <ac:spMk id="2" creationId="{51F15D27-3D88-0A23-9494-D8F65BF0DC8F}"/>
+          </ac:spMkLst>
+        </pc:spChg>
+      </pc:sldChg>
+      <pc:sldChg chg="modSp mod">
+        <pc:chgData name="Joaquín Borja León" userId="4b458f5458d5142a" providerId="LiveId" clId="{F9224340-C13A-4F88-A6CE-2A23DB5E424C}" dt="2025-06-05T14:32:28.448" v="45" actId="313"/>
+        <pc:sldMkLst>
+          <pc:docMk/>
+          <pc:sldMk cId="3778618532" sldId="263"/>
+        </pc:sldMkLst>
+        <pc:spChg chg="mod">
+          <ac:chgData name="Joaquín Borja León" userId="4b458f5458d5142a" providerId="LiveId" clId="{F9224340-C13A-4F88-A6CE-2A23DB5E424C}" dt="2025-06-05T14:32:28.448" v="45" actId="313"/>
+          <ac:spMkLst>
+            <pc:docMk/>
+            <pc:sldMk cId="3778618532" sldId="263"/>
+            <ac:spMk id="4" creationId="{8B4586C9-A4B1-B408-BBDB-737EFA60B525}"/>
+          </ac:spMkLst>
+        </pc:spChg>
+      </pc:sldChg>
+    </pc:docChg>
+  </pc:docChgLst>
+</pc:chgInfo>
 </file>
 
 <file path=ppt/notesMasters/notesMaster1.xml><?xml version="1.0" encoding="utf-8"?>
@@ -357,7 +414,7 @@
           <a:p>
             <a:fld id="{8BE752D0-0ED7-4A6F-833E-9BEE8E75BD5F}" type="slidenum">
               <a:rPr lang="es-ES" smtClean="0"/>
-              <a:t>‹Nº›</a:t>
+              <a:t>‹#›</a:t>
             </a:fld>
             <a:endParaRPr lang="es-ES"/>
           </a:p>
@@ -1016,13 +1073,10 @@
                 <a:ea typeface="+mn-ea"/>
                 <a:cs typeface="+mn-cs"/>
               </a:rPr>
-              <a:t>El entrenamiento se hizo con validación cruzada 5-fold para evaluar el rendimiento de cada combinación de hiperparámetros. En los árboles de decisión, ajustamos el número de estimadores, la tasa de aprendizaje, el tamaño de muestreo y la profundidad máxima. En la regresión lineal, el proceso fue similar, pero ajustando si se incluía término independiente. Usamos una búsqueda manual sencilla, probando distintas combinaciones dentro de un rango definido.</a:t>
-            </a:r>
-          </a:p>
-          <a:p>
-            <a:pPr rtl="0" fontAlgn="base"/>
-            <a:r>
-              <a:rPr lang="es-ES" sz="1200" b="1" kern="1200" cap="all" dirty="0">
+              <a:t>El entrenamiento se hizo con validación cruzada 5-fold para evaluar el rendimiento de cada combinación de </a:t>
+            </a:r>
+            <a:r>
+              <a:rPr lang="es-ES" sz="1200" kern="1200" dirty="0" err="1">
                 <a:solidFill>
                   <a:schemeClr val="tx1"/>
                 </a:solidFill>
@@ -1031,13 +1085,10 @@
                 <a:ea typeface="+mn-ea"/>
                 <a:cs typeface="+mn-cs"/>
               </a:rPr>
-              <a:t>nuevo</a:t>
-            </a:r>
-          </a:p>
-          <a:p>
-            <a:pPr fontAlgn="base"/>
-            <a:r>
-              <a:rPr lang="es-ES" sz="1200" b="0" i="0" kern="1200" dirty="0">
+              <a:t>hiperparámetros</a:t>
+            </a:r>
+            <a:r>
+              <a:rPr lang="es-ES" sz="1200" kern="1200" dirty="0">
                 <a:solidFill>
                   <a:schemeClr val="tx1"/>
                 </a:solidFill>
@@ -1046,10 +1097,8 @@
                 <a:ea typeface="+mn-ea"/>
                 <a:cs typeface="+mn-cs"/>
               </a:rPr>
-              <a:t>Enviar mensaje a @qinochico</a:t>
-            </a:r>
-          </a:p>
-          <a:p>
+              <a:t>. En los árboles de decisión, ajustamos el número de estimadores, la tasa de aprendizaje, el tamaño de muestreo y la profundidad máxima. En la regresión lineal, el proceso fue similar, pero ajustando si se incluía término independiente. Usamos una búsqueda manual sencilla, probando distintas combinaciones dentro de un rango definido.</a:t>
+            </a:r>
             <a:br>
               <a:rPr lang="es-ES" sz="1200" b="0" i="0" kern="1200" dirty="0">
                 <a:solidFill>
@@ -1604,7 +1653,7 @@
           <a:p>
             <a:fld id="{570D3AC5-154D-4004-96D3-1FE16D4B951B}" type="slidenum">
               <a:rPr lang="es-ES" smtClean="0"/>
-              <a:t>‹Nº›</a:t>
+              <a:t>‹#›</a:t>
             </a:fld>
             <a:endParaRPr lang="es-ES"/>
           </a:p>
@@ -1918,7 +1967,7 @@
           <a:p>
             <a:fld id="{570D3AC5-154D-4004-96D3-1FE16D4B951B}" type="slidenum">
               <a:rPr lang="es-ES" smtClean="0"/>
-              <a:t>‹Nº›</a:t>
+              <a:t>‹#›</a:t>
             </a:fld>
             <a:endParaRPr lang="es-ES"/>
           </a:p>
@@ -2166,7 +2215,7 @@
           <a:p>
             <a:fld id="{570D3AC5-154D-4004-96D3-1FE16D4B951B}" type="slidenum">
               <a:rPr lang="es-ES" smtClean="0"/>
-              <a:t>‹Nº›</a:t>
+              <a:t>‹#›</a:t>
             </a:fld>
             <a:endParaRPr lang="es-ES"/>
           </a:p>
@@ -2505,7 +2554,7 @@
           <a:p>
             <a:fld id="{570D3AC5-154D-4004-96D3-1FE16D4B951B}" type="slidenum">
               <a:rPr lang="es-ES" smtClean="0"/>
-              <a:t>‹Nº›</a:t>
+              <a:t>‹#›</a:t>
             </a:fld>
             <a:endParaRPr lang="es-ES"/>
           </a:p>
@@ -2852,7 +2901,7 @@
           <a:p>
             <a:fld id="{570D3AC5-154D-4004-96D3-1FE16D4B951B}" type="slidenum">
               <a:rPr lang="es-ES" smtClean="0"/>
-              <a:t>‹Nº›</a:t>
+              <a:t>‹#›</a:t>
             </a:fld>
             <a:endParaRPr lang="es-ES"/>
           </a:p>
@@ -3226,7 +3275,7 @@
           <a:p>
             <a:fld id="{570D3AC5-154D-4004-96D3-1FE16D4B951B}" type="slidenum">
               <a:rPr lang="es-ES" smtClean="0"/>
-              <a:t>‹Nº›</a:t>
+              <a:t>‹#›</a:t>
             </a:fld>
             <a:endParaRPr lang="es-ES"/>
           </a:p>
@@ -3696,7 +3745,7 @@
           <a:p>
             <a:fld id="{570D3AC5-154D-4004-96D3-1FE16D4B951B}" type="slidenum">
               <a:rPr lang="es-ES" smtClean="0"/>
-              <a:t>‹Nº›</a:t>
+              <a:t>‹#›</a:t>
             </a:fld>
             <a:endParaRPr lang="es-ES"/>
           </a:p>
@@ -3901,7 +3950,7 @@
           <a:p>
             <a:fld id="{570D3AC5-154D-4004-96D3-1FE16D4B951B}" type="slidenum">
               <a:rPr lang="es-ES" smtClean="0"/>
-              <a:t>‹Nº›</a:t>
+              <a:t>‹#›</a:t>
             </a:fld>
             <a:endParaRPr lang="es-ES"/>
           </a:p>
@@ -4112,7 +4161,7 @@
           <a:p>
             <a:fld id="{570D3AC5-154D-4004-96D3-1FE16D4B951B}" type="slidenum">
               <a:rPr lang="es-ES" smtClean="0"/>
-              <a:t>‹Nº›</a:t>
+              <a:t>‹#›</a:t>
             </a:fld>
             <a:endParaRPr lang="es-ES"/>
           </a:p>
@@ -4344,7 +4393,7 @@
           <a:p>
             <a:fld id="{570D3AC5-154D-4004-96D3-1FE16D4B951B}" type="slidenum">
               <a:rPr lang="es-ES" smtClean="0"/>
-              <a:t>‹Nº›</a:t>
+              <a:t>‹#›</a:t>
             </a:fld>
             <a:endParaRPr lang="es-ES"/>
           </a:p>
@@ -4592,7 +4641,7 @@
           <a:p>
             <a:fld id="{570D3AC5-154D-4004-96D3-1FE16D4B951B}" type="slidenum">
               <a:rPr lang="es-ES" smtClean="0"/>
-              <a:t>‹Nº›</a:t>
+              <a:t>‹#›</a:t>
             </a:fld>
             <a:endParaRPr lang="es-ES"/>
           </a:p>
@@ -4890,7 +4939,7 @@
           <a:p>
             <a:fld id="{570D3AC5-154D-4004-96D3-1FE16D4B951B}" type="slidenum">
               <a:rPr lang="es-ES" smtClean="0"/>
-              <a:t>‹Nº›</a:t>
+              <a:t>‹#›</a:t>
             </a:fld>
             <a:endParaRPr lang="es-ES"/>
           </a:p>
@@ -5284,7 +5333,7 @@
           <a:p>
             <a:fld id="{570D3AC5-154D-4004-96D3-1FE16D4B951B}" type="slidenum">
               <a:rPr lang="es-ES" smtClean="0"/>
-              <a:t>‹Nº›</a:t>
+              <a:t>‹#›</a:t>
             </a:fld>
             <a:endParaRPr lang="es-ES"/>
           </a:p>
@@ -5433,7 +5482,7 @@
           <a:p>
             <a:fld id="{570D3AC5-154D-4004-96D3-1FE16D4B951B}" type="slidenum">
               <a:rPr lang="es-ES" smtClean="0"/>
-              <a:t>‹Nº›</a:t>
+              <a:t>‹#›</a:t>
             </a:fld>
             <a:endParaRPr lang="es-ES"/>
           </a:p>
@@ -5559,7 +5608,7 @@
           <a:p>
             <a:fld id="{570D3AC5-154D-4004-96D3-1FE16D4B951B}" type="slidenum">
               <a:rPr lang="es-ES" smtClean="0"/>
-              <a:t>‹Nº›</a:t>
+              <a:t>‹#›</a:t>
             </a:fld>
             <a:endParaRPr lang="es-ES"/>
           </a:p>
@@ -5814,7 +5863,7 @@
           <a:p>
             <a:fld id="{570D3AC5-154D-4004-96D3-1FE16D4B951B}" type="slidenum">
               <a:rPr lang="es-ES" smtClean="0"/>
-              <a:t>‹Nº›</a:t>
+              <a:t>‹#›</a:t>
             </a:fld>
             <a:endParaRPr lang="es-ES"/>
           </a:p>
@@ -6129,7 +6178,7 @@
           <a:p>
             <a:fld id="{570D3AC5-154D-4004-96D3-1FE16D4B951B}" type="slidenum">
               <a:rPr lang="es-ES" smtClean="0"/>
-              <a:t>‹Nº›</a:t>
+              <a:t>‹#›</a:t>
             </a:fld>
             <a:endParaRPr lang="es-ES"/>
           </a:p>
@@ -6516,7 +6565,7 @@
           <a:p>
             <a:fld id="{570D3AC5-154D-4004-96D3-1FE16D4B951B}" type="slidenum">
               <a:rPr lang="es-ES" smtClean="0"/>
-              <a:t>‹Nº›</a:t>
+              <a:t>‹#›</a:t>
             </a:fld>
             <a:endParaRPr lang="es-ES"/>
           </a:p>
@@ -8924,12 +8973,20 @@
           <a:lstStyle/>
           <a:p>
             <a:r>
-              <a:rPr lang="en-US">
+              <a:rPr lang="en-US" dirty="0" err="1">
                 <a:solidFill>
                   <a:srgbClr val="262626"/>
                 </a:solidFill>
               </a:rPr>
-              <a:t>Conceptos clave</a:t>
+              <a:t>Conceptos</a:t>
+            </a:r>
+            <a:r>
+              <a:rPr lang="en-US" dirty="0">
+                <a:solidFill>
+                  <a:srgbClr val="262626"/>
+                </a:solidFill>
+              </a:rPr>
+              <a:t> clave</a:t>
             </a:r>
           </a:p>
         </p:txBody>
@@ -9607,13 +9664,18 @@
           <a:lstStyle/>
           <a:p>
             <a:r>
-              <a:rPr lang="en-US" sz="2800">
+              <a:rPr lang="en-US" sz="2800" dirty="0" err="1">
                 <a:solidFill>
                   <a:srgbClr val="262626"/>
                 </a:solidFill>
               </a:rPr>
               <a:t>Implementación</a:t>
             </a:r>
+            <a:endParaRPr lang="en-US" sz="2800" dirty="0">
+              <a:solidFill>
+                <a:srgbClr val="262626"/>
+              </a:solidFill>
+            </a:endParaRPr>
           </a:p>
         </p:txBody>
       </p:sp>
@@ -10176,8 +10238,8 @@
           <a:chExt cx="0" cy="0"/>
         </a:xfrm>
       </p:grpSpPr>
-      <mc:AlternateContent xmlns:mc="http://schemas.openxmlformats.org/markup-compatibility/2006">
-        <mc:Choice xmlns:a14="http://schemas.microsoft.com/office/drawing/2010/main" Requires="a14">
+      <mc:AlternateContent xmlns:mc="http://schemas.openxmlformats.org/markup-compatibility/2006" xmlns:a14="http://schemas.microsoft.com/office/drawing/2010/main">
+        <mc:Choice Requires="a14">
           <p:sp>
             <p:nvSpPr>
               <p:cNvPr id="2" name="Título 1">
@@ -10237,7 +10299,7 @@
             </p:txBody>
           </p:sp>
         </mc:Choice>
-        <mc:Fallback>
+        <mc:Fallback xmlns="">
           <p:sp>
             <p:nvSpPr>
               <p:cNvPr id="2" name="Título 1">
@@ -10523,7 +10585,7 @@
             </a:r>
             <a:r>
               <a:rPr lang="es-ES" dirty="0"/>
-              <a:t> es mas pequeño y el modelo tiende a </a:t>
+              <a:t> es más pequeño y el modelo tiende a </a:t>
             </a:r>
             <a:r>
               <a:rPr lang="es-ES" dirty="0" err="1"/>
@@ -10546,15 +10608,7 @@
             </a:r>
             <a:r>
               <a:rPr lang="es-ES" dirty="0"/>
-              <a:t> tiene un </a:t>
-            </a:r>
-            <a:r>
-              <a:rPr lang="es-ES" dirty="0" err="1"/>
-              <a:t>corportamiento</a:t>
-            </a:r>
-            <a:r>
-              <a:rPr lang="es-ES" dirty="0"/>
-              <a:t> mas estable ya que el precio de la vivienda se interpreta de mejor forma linealmente.</a:t>
+              <a:t> tiene un comportamiento más estable ya que el precio de la vivienda se interpreta de mejor forma linealmente.</a:t>
             </a:r>
           </a:p>
           <a:p>
@@ -10575,15 +10629,7 @@
             </a:r>
             <a:r>
               <a:rPr lang="es-ES" dirty="0"/>
-              <a:t> es muy eficaz </a:t>
-            </a:r>
-            <a:r>
-              <a:rPr lang="es-ES" dirty="0" err="1"/>
-              <a:t>caprando</a:t>
-            </a:r>
-            <a:r>
-              <a:rPr lang="es-ES" dirty="0"/>
-              <a:t> relaciones lineales no complejas.</a:t>
+              <a:t> es muy eficaz captando relaciones lineales no complejas.</a:t>
             </a:r>
           </a:p>
           <a:p>
